--- a/Computing Practice - comp1004/Poster.pptx
+++ b/Computing Practice - comp1004/Poster.pptx
@@ -222,7 +222,7 @@
           <a:p>
             <a:fld id="{40B2206F-7194-4E11-805A-5295AF5385CE}" type="datetimeFigureOut">
               <a:rPr lang="en-GB" smtClean="0"/>
-              <a:t>11/04/2024</a:t>
+              <a:t>12/04/2024</a:t>
             </a:fld>
             <a:endParaRPr lang="en-GB"/>
           </a:p>
@@ -710,7 +710,7 @@
           <a:p>
             <a:fld id="{1381CABE-BD8A-4ED8-BE60-32148880DEC7}" type="datetimeFigureOut">
               <a:rPr lang="en-GB" smtClean="0"/>
-              <a:t>11/04/2024</a:t>
+              <a:t>12/04/2024</a:t>
             </a:fld>
             <a:endParaRPr lang="en-GB"/>
           </a:p>
@@ -880,7 +880,7 @@
           <a:p>
             <a:fld id="{1381CABE-BD8A-4ED8-BE60-32148880DEC7}" type="datetimeFigureOut">
               <a:rPr lang="en-GB" smtClean="0"/>
-              <a:t>11/04/2024</a:t>
+              <a:t>12/04/2024</a:t>
             </a:fld>
             <a:endParaRPr lang="en-GB"/>
           </a:p>
@@ -1060,7 +1060,7 @@
           <a:p>
             <a:fld id="{1381CABE-BD8A-4ED8-BE60-32148880DEC7}" type="datetimeFigureOut">
               <a:rPr lang="en-GB" smtClean="0"/>
-              <a:t>11/04/2024</a:t>
+              <a:t>12/04/2024</a:t>
             </a:fld>
             <a:endParaRPr lang="en-GB"/>
           </a:p>
@@ -1230,7 +1230,7 @@
           <a:p>
             <a:fld id="{1381CABE-BD8A-4ED8-BE60-32148880DEC7}" type="datetimeFigureOut">
               <a:rPr lang="en-GB" smtClean="0"/>
-              <a:t>11/04/2024</a:t>
+              <a:t>12/04/2024</a:t>
             </a:fld>
             <a:endParaRPr lang="en-GB"/>
           </a:p>
@@ -1474,7 +1474,7 @@
           <a:p>
             <a:fld id="{1381CABE-BD8A-4ED8-BE60-32148880DEC7}" type="datetimeFigureOut">
               <a:rPr lang="en-GB" smtClean="0"/>
-              <a:t>11/04/2024</a:t>
+              <a:t>12/04/2024</a:t>
             </a:fld>
             <a:endParaRPr lang="en-GB"/>
           </a:p>
@@ -1706,7 +1706,7 @@
           <a:p>
             <a:fld id="{1381CABE-BD8A-4ED8-BE60-32148880DEC7}" type="datetimeFigureOut">
               <a:rPr lang="en-GB" smtClean="0"/>
-              <a:t>11/04/2024</a:t>
+              <a:t>12/04/2024</a:t>
             </a:fld>
             <a:endParaRPr lang="en-GB"/>
           </a:p>
@@ -2073,7 +2073,7 @@
           <a:p>
             <a:fld id="{1381CABE-BD8A-4ED8-BE60-32148880DEC7}" type="datetimeFigureOut">
               <a:rPr lang="en-GB" smtClean="0"/>
-              <a:t>11/04/2024</a:t>
+              <a:t>12/04/2024</a:t>
             </a:fld>
             <a:endParaRPr lang="en-GB"/>
           </a:p>
@@ -2191,7 +2191,7 @@
           <a:p>
             <a:fld id="{1381CABE-BD8A-4ED8-BE60-32148880DEC7}" type="datetimeFigureOut">
               <a:rPr lang="en-GB" smtClean="0"/>
-              <a:t>11/04/2024</a:t>
+              <a:t>12/04/2024</a:t>
             </a:fld>
             <a:endParaRPr lang="en-GB"/>
           </a:p>
@@ -2286,7 +2286,7 @@
           <a:p>
             <a:fld id="{1381CABE-BD8A-4ED8-BE60-32148880DEC7}" type="datetimeFigureOut">
               <a:rPr lang="en-GB" smtClean="0"/>
-              <a:t>11/04/2024</a:t>
+              <a:t>12/04/2024</a:t>
             </a:fld>
             <a:endParaRPr lang="en-GB"/>
           </a:p>
@@ -2563,7 +2563,7 @@
           <a:p>
             <a:fld id="{1381CABE-BD8A-4ED8-BE60-32148880DEC7}" type="datetimeFigureOut">
               <a:rPr lang="en-GB" smtClean="0"/>
-              <a:t>11/04/2024</a:t>
+              <a:t>12/04/2024</a:t>
             </a:fld>
             <a:endParaRPr lang="en-GB"/>
           </a:p>
@@ -2820,7 +2820,7 @@
           <a:p>
             <a:fld id="{1381CABE-BD8A-4ED8-BE60-32148880DEC7}" type="datetimeFigureOut">
               <a:rPr lang="en-GB" smtClean="0"/>
-              <a:t>11/04/2024</a:t>
+              <a:t>12/04/2024</a:t>
             </a:fld>
             <a:endParaRPr lang="en-GB"/>
           </a:p>
@@ -3033,7 +3033,7 @@
           <a:p>
             <a:fld id="{1381CABE-BD8A-4ED8-BE60-32148880DEC7}" type="datetimeFigureOut">
               <a:rPr lang="en-GB" smtClean="0"/>
-              <a:t>11/04/2024</a:t>
+              <a:t>12/04/2024</a:t>
             </a:fld>
             <a:endParaRPr lang="en-GB"/>
           </a:p>
@@ -4555,8 +4555,8 @@
           </p:nvSpPr>
           <p:spPr>
             <a:xfrm>
-              <a:off x="68480" y="222748"/>
-              <a:ext cx="3514299" cy="832485"/>
+              <a:off x="45635" y="4350160"/>
+              <a:ext cx="3514299" cy="461410"/>
             </a:xfrm>
             <a:prstGeom prst="roundRect">
               <a:avLst/>
@@ -4694,9 +4694,9 @@
         <p:grpSpPr>
           <a:xfrm>
             <a:off x="0" y="18862085"/>
-            <a:ext cx="30275213" cy="2532472"/>
+            <a:ext cx="30275213" cy="2575332"/>
             <a:chOff x="0" y="0"/>
-            <a:chExt cx="16602075" cy="1322677"/>
+            <a:chExt cx="16602075" cy="1345062"/>
           </a:xfrm>
           <a:solidFill>
             <a:schemeClr val="accent6">
@@ -4772,7 +4772,7 @@
           </p:nvSpPr>
           <p:spPr>
             <a:xfrm>
-              <a:off x="824356" y="279800"/>
+              <a:off x="824356" y="384963"/>
               <a:ext cx="2811344" cy="429895"/>
             </a:xfrm>
             <a:prstGeom prst="rect">
@@ -4882,7 +4882,7 @@
           </p:nvSpPr>
           <p:spPr>
             <a:xfrm>
-              <a:off x="766730" y="559871"/>
+              <a:off x="824356" y="656100"/>
               <a:ext cx="5246318" cy="688962"/>
             </a:xfrm>
             <a:prstGeom prst="rect">
@@ -5070,7 +5070,7 @@
           </p:blipFill>
           <p:spPr>
             <a:xfrm>
-              <a:off x="11791665" y="129654"/>
+              <a:off x="11900070" y="241181"/>
               <a:ext cx="4043680" cy="835025"/>
             </a:xfrm>
             <a:prstGeom prst="rect">
@@ -5145,8 +5145,8 @@
         </p:nvSpPr>
         <p:spPr>
           <a:xfrm>
-            <a:off x="22740676" y="5112486"/>
-            <a:ext cx="6351183" cy="4563778"/>
+            <a:off x="22647130" y="15806998"/>
+            <a:ext cx="6351183" cy="2343101"/>
           </a:xfrm>
           <a:prstGeom prst="rect">
             <a:avLst/>
@@ -5183,7 +5183,13 @@
               <a:rPr lang="en-GB" sz="2400" dirty="0">
                 <a:latin typeface="Franklin Gothic Medium" panose="020B0603020102020204" pitchFamily="34" charset="0"/>
               </a:rPr>
-              <a:t>“As a fan of arcade games, I really enjoy playing Retro Golf. The ball dragging mechanic is very unique and I love the randomly placed obstacles that keep each round exciting and unpredictable.” - Beth</a:t>
+              <a:t>“As a fan of arcade games, I really enjoy playing Retro Golf. The ball dragging mechanic is unique and I love the randomly placed obstacles that keep each round exciting and unpredictable.” </a:t>
+            </a:r>
+            <a:r>
+              <a:rPr lang="en-GB" sz="3200" dirty="0">
+                <a:latin typeface="Franklin Gothic Medium" panose="020B0603020102020204" pitchFamily="34" charset="0"/>
+              </a:rPr>
+              <a:t>– Beth</a:t>
             </a:r>
           </a:p>
           <a:p>
@@ -5196,9 +5202,299 @@
             </a:endParaRPr>
           </a:p>
           <a:p>
+            <a:pPr marL="342900" indent="-342900">
+              <a:buFont typeface="Arial" panose="020B0604020202020204" pitchFamily="34" charset="0"/>
+              <a:buChar char="•"/>
+            </a:pPr>
+            <a:r>
+              <a:rPr lang="en-GB" sz="2400" dirty="0">
+                <a:latin typeface="Franklin Gothic Medium" panose="020B0603020102020204" pitchFamily="34" charset="0"/>
+              </a:rPr>
+              <a:t>“The leaderboard makes Retro Golf a fun competition for me and my friends. I like the added detail of being able to change the ball colour. </a:t>
+            </a:r>
+            <a:r>
+              <a:rPr lang="en-GB" sz="3200" dirty="0">
+                <a:latin typeface="Franklin Gothic Medium" panose="020B0603020102020204" pitchFamily="34" charset="0"/>
+              </a:rPr>
+              <a:t>– Emily </a:t>
+            </a:r>
+          </a:p>
+          <a:p>
+            <a:pPr marL="342900" indent="-342900">
+              <a:buFont typeface="Arial" panose="020B0604020202020204" pitchFamily="34" charset="0"/>
+              <a:buChar char="•"/>
+            </a:pPr>
+            <a:endParaRPr lang="en-GB" sz="2400" dirty="0">
+              <a:latin typeface="Franklin Gothic Medium" panose="020B0603020102020204" pitchFamily="34" charset="0"/>
+            </a:endParaRPr>
+          </a:p>
+          <a:p>
             <a:pPr algn="ctr"/>
             <a:endParaRPr lang="en-GB" sz="2400" dirty="0">
               <a:latin typeface="Franklin Gothic Medium" panose="020B0603020102020204" pitchFamily="34" charset="0"/>
+            </a:endParaRPr>
+          </a:p>
+        </p:txBody>
+      </p:sp>
+      <p:pic>
+        <p:nvPicPr>
+          <p:cNvPr id="10" name="Picture 9">
+            <a:extLst>
+              <a:ext uri="{FF2B5EF4-FFF2-40B4-BE49-F238E27FC236}">
+                <a16:creationId xmlns:a16="http://schemas.microsoft.com/office/drawing/2014/main" id="{ACFFFEB2-1880-61C6-950B-F87120F8BD8F}"/>
+              </a:ext>
+            </a:extLst>
+          </p:cNvPr>
+          <p:cNvPicPr>
+            <a:picLocks noChangeAspect="1"/>
+          </p:cNvPicPr>
+          <p:nvPr/>
+        </p:nvPicPr>
+        <p:blipFill>
+          <a:blip r:embed="rId6"/>
+          <a:stretch>
+            <a:fillRect/>
+          </a:stretch>
+        </p:blipFill>
+        <p:spPr>
+          <a:xfrm>
+            <a:off x="22999769" y="3018459"/>
+            <a:ext cx="5762246" cy="3886253"/>
+          </a:xfrm>
+          <a:prstGeom prst="rect">
+            <a:avLst/>
+          </a:prstGeom>
+        </p:spPr>
+      </p:pic>
+      <p:sp>
+        <p:nvSpPr>
+          <p:cNvPr id="14" name="Rectangle: Rounded Corners 13">
+            <a:extLst>
+              <a:ext uri="{FF2B5EF4-FFF2-40B4-BE49-F238E27FC236}">
+                <a16:creationId xmlns:a16="http://schemas.microsoft.com/office/drawing/2014/main" id="{9F1C41B0-903C-A3CB-6556-C95582A816BE}"/>
+              </a:ext>
+            </a:extLst>
+          </p:cNvPr>
+          <p:cNvSpPr/>
+          <p:nvPr/>
+        </p:nvSpPr>
+        <p:spPr>
+          <a:xfrm>
+            <a:off x="22367742" y="6978527"/>
+            <a:ext cx="7117438" cy="2066417"/>
+          </a:xfrm>
+          <a:prstGeom prst="roundRect">
+            <a:avLst/>
+          </a:prstGeom>
+          <a:ln>
+            <a:noFill/>
+          </a:ln>
+        </p:spPr>
+        <p:style>
+          <a:lnRef idx="3">
+            <a:schemeClr val="lt1"/>
+          </a:lnRef>
+          <a:fillRef idx="1">
+            <a:schemeClr val="accent6"/>
+          </a:fillRef>
+          <a:effectRef idx="1">
+            <a:schemeClr val="accent6"/>
+          </a:effectRef>
+          <a:fontRef idx="minor">
+            <a:schemeClr val="lt1"/>
+          </a:fontRef>
+        </p:style>
+        <p:txBody>
+          <a:bodyPr rot="0" spcFirstLastPara="0" vert="horz" wrap="square" lIns="91440" tIns="45720" rIns="91440" bIns="45720" numCol="1" spcCol="0" rtlCol="0" fromWordArt="0" anchor="ctr" anchorCtr="0" forceAA="0" compatLnSpc="1">
+            <a:prstTxWarp prst="textNoShape">
+              <a:avLst/>
+            </a:prstTxWarp>
+            <a:noAutofit/>
+          </a:bodyPr>
+          <a:lstStyle/>
+          <a:p>
+            <a:pPr algn="ctr">
+              <a:lnSpc>
+                <a:spcPct val="107000"/>
+              </a:lnSpc>
+              <a:spcAft>
+                <a:spcPts val="800"/>
+              </a:spcAft>
+            </a:pPr>
+            <a:r>
+              <a:rPr lang="en-GB" sz="7200" dirty="0">
+                <a:latin typeface="Bauhaus 93" panose="04030905020B02020C02" pitchFamily="82" charset="0"/>
+                <a:ea typeface="Aptos" panose="020B0004020202020204" pitchFamily="34" charset="0"/>
+                <a:cs typeface="Times New Roman" panose="02020603050405020304" pitchFamily="18" charset="0"/>
+              </a:rPr>
+              <a:t>Future Development</a:t>
+            </a:r>
+            <a:endParaRPr lang="en-GB" sz="7200" dirty="0">
+              <a:effectLst/>
+              <a:ea typeface="Aptos" panose="020B0004020202020204" pitchFamily="34" charset="0"/>
+              <a:cs typeface="Times New Roman" panose="02020603050405020304" pitchFamily="18" charset="0"/>
+            </a:endParaRPr>
+          </a:p>
+        </p:txBody>
+      </p:sp>
+      <p:sp>
+        <p:nvSpPr>
+          <p:cNvPr id="15" name="Rectangle: Rounded Corners 14">
+            <a:extLst>
+              <a:ext uri="{FF2B5EF4-FFF2-40B4-BE49-F238E27FC236}">
+                <a16:creationId xmlns:a16="http://schemas.microsoft.com/office/drawing/2014/main" id="{E1798DCF-0D74-E0A6-2949-B96128B783E3}"/>
+              </a:ext>
+            </a:extLst>
+          </p:cNvPr>
+          <p:cNvSpPr/>
+          <p:nvPr/>
+        </p:nvSpPr>
+        <p:spPr>
+          <a:xfrm>
+            <a:off x="22367742" y="10265250"/>
+            <a:ext cx="6909960" cy="2882613"/>
+          </a:xfrm>
+          <a:prstGeom prst="roundRect">
+            <a:avLst/>
+          </a:prstGeom>
+          <a:ln>
+            <a:noFill/>
+          </a:ln>
+        </p:spPr>
+        <p:style>
+          <a:lnRef idx="2">
+            <a:schemeClr val="accent6">
+              <a:shade val="15000"/>
+            </a:schemeClr>
+          </a:lnRef>
+          <a:fillRef idx="1">
+            <a:schemeClr val="accent6"/>
+          </a:fillRef>
+          <a:effectRef idx="0">
+            <a:schemeClr val="accent6"/>
+          </a:effectRef>
+          <a:fontRef idx="minor">
+            <a:schemeClr val="lt1"/>
+          </a:fontRef>
+        </p:style>
+        <p:txBody>
+          <a:bodyPr rot="0" spcFirstLastPara="0" vert="horz" wrap="square" lIns="91440" tIns="45720" rIns="91440" bIns="45720" numCol="1" spcCol="0" rtlCol="0" fromWordArt="0" anchor="ctr" anchorCtr="0" forceAA="0" compatLnSpc="1">
+            <a:prstTxWarp prst="textNoShape">
+              <a:avLst/>
+            </a:prstTxWarp>
+            <a:noAutofit/>
+          </a:bodyPr>
+          <a:lstStyle/>
+          <a:p>
+            <a:pPr marL="457200" indent="-457200">
+              <a:lnSpc>
+                <a:spcPct val="107000"/>
+              </a:lnSpc>
+              <a:spcAft>
+                <a:spcPts val="800"/>
+              </a:spcAft>
+              <a:buFont typeface="Arial" panose="020B0604020202020204" pitchFamily="34" charset="0"/>
+              <a:buChar char="•"/>
+            </a:pPr>
+            <a:r>
+              <a:rPr lang="en-GB" sz="3200" dirty="0">
+                <a:effectLst/>
+                <a:latin typeface="Franklin Gothic Medium" panose="020B0603020102020204" pitchFamily="34" charset="0"/>
+                <a:ea typeface="Aptos" panose="020B0004020202020204" pitchFamily="34" charset="0"/>
+                <a:cs typeface="Times New Roman" panose="02020603050405020304" pitchFamily="18" charset="0"/>
+              </a:rPr>
+              <a:t>Dynamic Weather Effects: </a:t>
+            </a:r>
+            <a:r>
+              <a:rPr lang="en-GB" sz="2400" dirty="0">
+                <a:effectLst/>
+                <a:latin typeface="Franklin Gothic Medium" panose="020B0603020102020204" pitchFamily="34" charset="0"/>
+                <a:ea typeface="Aptos" panose="020B0004020202020204" pitchFamily="34" charset="0"/>
+                <a:cs typeface="Times New Roman" panose="02020603050405020304" pitchFamily="18" charset="0"/>
+              </a:rPr>
+              <a:t>From rain showers to gusty winds, each weather condition will add a new layer of challenge to your golfing adventure.</a:t>
+            </a:r>
+          </a:p>
+          <a:p>
+            <a:pPr marL="457200" indent="-457200">
+              <a:lnSpc>
+                <a:spcPct val="107000"/>
+              </a:lnSpc>
+              <a:spcAft>
+                <a:spcPts val="800"/>
+              </a:spcAft>
+              <a:buFont typeface="Arial" panose="020B0604020202020204" pitchFamily="34" charset="0"/>
+              <a:buChar char="•"/>
+            </a:pPr>
+            <a:r>
+              <a:rPr lang="en-GB" sz="3200" dirty="0">
+                <a:effectLst/>
+                <a:latin typeface="Franklin Gothic Medium" panose="020B0603020102020204" pitchFamily="34" charset="0"/>
+                <a:ea typeface="Aptos" panose="020B0004020202020204" pitchFamily="34" charset="0"/>
+                <a:cs typeface="Times New Roman" panose="02020603050405020304" pitchFamily="18" charset="0"/>
+              </a:rPr>
+              <a:t>Daily Challenges:  </a:t>
+            </a:r>
+            <a:r>
+              <a:rPr lang="en-GB" sz="2400" dirty="0">
+                <a:effectLst/>
+                <a:latin typeface="Franklin Gothic Medium" panose="020B0603020102020204" pitchFamily="34" charset="0"/>
+                <a:ea typeface="Aptos" panose="020B0004020202020204" pitchFamily="34" charset="0"/>
+                <a:cs typeface="Times New Roman" panose="02020603050405020304" pitchFamily="18" charset="0"/>
+              </a:rPr>
+              <a:t>Stay engaged with Retro Golf’s daily challenges, offering new objectives and rewards every day.</a:t>
+            </a:r>
+          </a:p>
+          <a:p>
+            <a:pPr marL="457200" indent="-457200">
+              <a:lnSpc>
+                <a:spcPct val="107000"/>
+              </a:lnSpc>
+              <a:spcAft>
+                <a:spcPts val="800"/>
+              </a:spcAft>
+              <a:buFont typeface="Arial" panose="020B0604020202020204" pitchFamily="34" charset="0"/>
+              <a:buChar char="•"/>
+            </a:pPr>
+            <a:r>
+              <a:rPr lang="en-GB" sz="3200" dirty="0">
+                <a:latin typeface="Franklin Gothic Medium" panose="020B0603020102020204" pitchFamily="34" charset="0"/>
+                <a:ea typeface="Aptos" panose="020B0004020202020204" pitchFamily="34" charset="0"/>
+                <a:cs typeface="Times New Roman" panose="02020603050405020304" pitchFamily="18" charset="0"/>
+              </a:rPr>
+              <a:t>Power ups: </a:t>
+            </a:r>
+            <a:r>
+              <a:rPr lang="en-GB" sz="2400" dirty="0">
+                <a:latin typeface="Franklin Gothic Medium" panose="020B0603020102020204" pitchFamily="34" charset="0"/>
+                <a:ea typeface="Aptos" panose="020B0004020202020204" pitchFamily="34" charset="0"/>
+                <a:cs typeface="Times New Roman" panose="02020603050405020304" pitchFamily="18" charset="0"/>
+              </a:rPr>
+              <a:t>Discover power-ups scattered throughout Retro Golf’s courses. Collect these to gain powerful advantages. </a:t>
+            </a:r>
+            <a:endParaRPr lang="en-GB" sz="2400" dirty="0">
+              <a:effectLst/>
+              <a:latin typeface="Franklin Gothic Medium" panose="020B0603020102020204" pitchFamily="34" charset="0"/>
+              <a:ea typeface="Aptos" panose="020B0004020202020204" pitchFamily="34" charset="0"/>
+              <a:cs typeface="Times New Roman" panose="02020603050405020304" pitchFamily="18" charset="0"/>
+            </a:endParaRPr>
+          </a:p>
+          <a:p>
+            <a:pPr marL="457200" indent="-457200">
+              <a:lnSpc>
+                <a:spcPct val="107000"/>
+              </a:lnSpc>
+              <a:spcAft>
+                <a:spcPts val="800"/>
+              </a:spcAft>
+              <a:buFont typeface="Arial" panose="020B0604020202020204" pitchFamily="34" charset="0"/>
+              <a:buChar char="•"/>
+            </a:pPr>
+            <a:endParaRPr lang="en-GB" sz="3200" dirty="0">
+              <a:effectLst/>
+              <a:latin typeface="Franklin Gothic Medium" panose="020B0603020102020204" pitchFamily="34" charset="0"/>
+              <a:ea typeface="Aptos" panose="020B0004020202020204" pitchFamily="34" charset="0"/>
+              <a:cs typeface="Times New Roman" panose="02020603050405020304" pitchFamily="18" charset="0"/>
             </a:endParaRPr>
           </a:p>
         </p:txBody>
@@ -5773,6 +6069,57 @@
 </file>
 
 <file path=customXml/item1.xml><?xml version="1.0" encoding="utf-8"?>
+<p:properties xmlns:p="http://schemas.microsoft.com/office/2006/metadata/properties" xmlns:xsi="http://www.w3.org/2001/XMLSchema-instance" xmlns:pc="http://schemas.microsoft.com/office/infopath/2007/PartnerControls">
+  <documentManagement>
+    <NotebookType xmlns="dc781de3-bafc-4db7-a392-5d8a9e9bc0f5" xsi:nil="true"/>
+    <Invited_Students xmlns="dc781de3-bafc-4db7-a392-5d8a9e9bc0f5" xsi:nil="true"/>
+    <FolderType xmlns="dc781de3-bafc-4db7-a392-5d8a9e9bc0f5" xsi:nil="true"/>
+    <Owner xmlns="dc781de3-bafc-4db7-a392-5d8a9e9bc0f5">
+      <UserInfo>
+        <DisplayName/>
+        <AccountId xsi:nil="true"/>
+        <AccountType/>
+      </UserInfo>
+    </Owner>
+    <AppVersion xmlns="dc781de3-bafc-4db7-a392-5d8a9e9bc0f5" xsi:nil="true"/>
+    <DefaultSectionNames xmlns="dc781de3-bafc-4db7-a392-5d8a9e9bc0f5" xsi:nil="true"/>
+    <Teachers xmlns="dc781de3-bafc-4db7-a392-5d8a9e9bc0f5">
+      <UserInfo>
+        <DisplayName/>
+        <AccountId xsi:nil="true"/>
+        <AccountType/>
+      </UserInfo>
+    </Teachers>
+    <Students xmlns="dc781de3-bafc-4db7-a392-5d8a9e9bc0f5">
+      <UserInfo>
+        <DisplayName/>
+        <AccountId xsi:nil="true"/>
+        <AccountType/>
+      </UserInfo>
+    </Students>
+    <Student_Groups xmlns="dc781de3-bafc-4db7-a392-5d8a9e9bc0f5">
+      <UserInfo>
+        <DisplayName/>
+        <AccountId xsi:nil="true"/>
+        <AccountType/>
+      </UserInfo>
+    </Student_Groups>
+    <Invited_Teachers xmlns="dc781de3-bafc-4db7-a392-5d8a9e9bc0f5" xsi:nil="true"/>
+    <Self_Registration_Enabled xmlns="dc781de3-bafc-4db7-a392-5d8a9e9bc0f5" xsi:nil="true"/>
+  </documentManagement>
+</p:properties>
+</file>
+
+<file path=customXml/item2.xml><?xml version="1.0" encoding="utf-8"?>
+<?mso-contentType ?>
+<FormTemplates xmlns="http://schemas.microsoft.com/sharepoint/v3/contenttype/forms">
+  <Display>DocumentLibraryForm</Display>
+  <Edit>DocumentLibraryForm</Edit>
+  <New>DocumentLibraryForm</New>
+</FormTemplates>
+</file>
+
+<file path=customXml/item3.xml><?xml version="1.0" encoding="utf-8"?>
 <ct:contentTypeSchema xmlns:ct="http://schemas.microsoft.com/office/2006/metadata/contentType" xmlns:ma="http://schemas.microsoft.com/office/2006/metadata/properties/metaAttributes" ct:_="" ma:_="" ma:contentTypeName="Document" ma:contentTypeID="0x010100183530F9ADBD1D48AC3974C37B1F16E8" ma:contentTypeVersion="24" ma:contentTypeDescription="Create a new document." ma:contentTypeScope="" ma:versionID="70394ba201040ca3d815e3c4f7012274">
   <xsd:schema xmlns:xsd="http://www.w3.org/2001/XMLSchema" xmlns:xs="http://www.w3.org/2001/XMLSchema" xmlns:p="http://schemas.microsoft.com/office/2006/metadata/properties" xmlns:ns3="72339acb-e8cc-4142-9dab-9dca3e7dada8" xmlns:ns4="dc781de3-bafc-4db7-a392-5d8a9e9bc0f5" targetNamespace="http://schemas.microsoft.com/office/2006/metadata/properties" ma:root="true" ma:fieldsID="d0d4fd1207dbf170f06c018f7c6b1e9a" ns3:_="" ns4:_="">
     <xsd:import namespace="72339acb-e8cc-4142-9dab-9dca3e7dada8"/>
@@ -6123,58 +6470,32 @@
 </ct:contentTypeSchema>
 </file>
 
-<file path=customXml/item2.xml><?xml version="1.0" encoding="utf-8"?>
-<?mso-contentType ?>
-<FormTemplates xmlns="http://schemas.microsoft.com/sharepoint/v3/contenttype/forms">
-  <Display>DocumentLibraryForm</Display>
-  <Edit>DocumentLibraryForm</Edit>
-  <New>DocumentLibraryForm</New>
-</FormTemplates>
+<file path=customXml/itemProps1.xml><?xml version="1.0" encoding="utf-8"?>
+<ds:datastoreItem xmlns:ds="http://schemas.openxmlformats.org/officeDocument/2006/customXml" ds:itemID="{48338919-CAB7-4AC9-BE2B-610C7C37C733}">
+  <ds:schemaRefs>
+    <ds:schemaRef ds:uri="72339acb-e8cc-4142-9dab-9dca3e7dada8"/>
+    <ds:schemaRef ds:uri="http://schemas.microsoft.com/office/2006/documentManagement/types"/>
+    <ds:schemaRef ds:uri="http://purl.org/dc/terms/"/>
+    <ds:schemaRef ds:uri="http://schemas.microsoft.com/office/2006/metadata/properties"/>
+    <ds:schemaRef ds:uri="http://schemas.microsoft.com/office/infopath/2007/PartnerControls"/>
+    <ds:schemaRef ds:uri="http://schemas.openxmlformats.org/package/2006/metadata/core-properties"/>
+    <ds:schemaRef ds:uri="http://purl.org/dc/elements/1.1/"/>
+    <ds:schemaRef ds:uri="http://purl.org/dc/dcmitype/"/>
+    <ds:schemaRef ds:uri="dc781de3-bafc-4db7-a392-5d8a9e9bc0f5"/>
+    <ds:schemaRef ds:uri="http://www.w3.org/XML/1998/namespace"/>
+  </ds:schemaRefs>
+</ds:datastoreItem>
 </file>
 
-<file path=customXml/item3.xml><?xml version="1.0" encoding="utf-8"?>
-<p:properties xmlns:p="http://schemas.microsoft.com/office/2006/metadata/properties" xmlns:xsi="http://www.w3.org/2001/XMLSchema-instance" xmlns:pc="http://schemas.microsoft.com/office/infopath/2007/PartnerControls">
-  <documentManagement>
-    <NotebookType xmlns="dc781de3-bafc-4db7-a392-5d8a9e9bc0f5" xsi:nil="true"/>
-    <Invited_Students xmlns="dc781de3-bafc-4db7-a392-5d8a9e9bc0f5" xsi:nil="true"/>
-    <FolderType xmlns="dc781de3-bafc-4db7-a392-5d8a9e9bc0f5" xsi:nil="true"/>
-    <Owner xmlns="dc781de3-bafc-4db7-a392-5d8a9e9bc0f5">
-      <UserInfo>
-        <DisplayName/>
-        <AccountId xsi:nil="true"/>
-        <AccountType/>
-      </UserInfo>
-    </Owner>
-    <AppVersion xmlns="dc781de3-bafc-4db7-a392-5d8a9e9bc0f5" xsi:nil="true"/>
-    <DefaultSectionNames xmlns="dc781de3-bafc-4db7-a392-5d8a9e9bc0f5" xsi:nil="true"/>
-    <Teachers xmlns="dc781de3-bafc-4db7-a392-5d8a9e9bc0f5">
-      <UserInfo>
-        <DisplayName/>
-        <AccountId xsi:nil="true"/>
-        <AccountType/>
-      </UserInfo>
-    </Teachers>
-    <Students xmlns="dc781de3-bafc-4db7-a392-5d8a9e9bc0f5">
-      <UserInfo>
-        <DisplayName/>
-        <AccountId xsi:nil="true"/>
-        <AccountType/>
-      </UserInfo>
-    </Students>
-    <Student_Groups xmlns="dc781de3-bafc-4db7-a392-5d8a9e9bc0f5">
-      <UserInfo>
-        <DisplayName/>
-        <AccountId xsi:nil="true"/>
-        <AccountType/>
-      </UserInfo>
-    </Student_Groups>
-    <Invited_Teachers xmlns="dc781de3-bafc-4db7-a392-5d8a9e9bc0f5" xsi:nil="true"/>
-    <Self_Registration_Enabled xmlns="dc781de3-bafc-4db7-a392-5d8a9e9bc0f5" xsi:nil="true"/>
-  </documentManagement>
-</p:properties>
+<file path=customXml/itemProps2.xml><?xml version="1.0" encoding="utf-8"?>
+<ds:datastoreItem xmlns:ds="http://schemas.openxmlformats.org/officeDocument/2006/customXml" ds:itemID="{90E91343-FC66-4181-B87C-967309332136}">
+  <ds:schemaRefs>
+    <ds:schemaRef ds:uri="http://schemas.microsoft.com/sharepoint/v3/contenttype/forms"/>
+  </ds:schemaRefs>
+</ds:datastoreItem>
 </file>
 
-<file path=customXml/itemProps1.xml><?xml version="1.0" encoding="utf-8"?>
+<file path=customXml/itemProps3.xml><?xml version="1.0" encoding="utf-8"?>
 <ds:datastoreItem xmlns:ds="http://schemas.openxmlformats.org/officeDocument/2006/customXml" ds:itemID="{6D556809-3C50-4FFA-808E-E6B975D92521}">
   <ds:schemaRefs>
     <ds:schemaRef ds:uri="http://schemas.microsoft.com/office/2006/metadata/contentType"/>
@@ -6191,29 +6512,4 @@
     <ds:schemaRef ds:uri="http://schemas.microsoft.com/internal/obd"/>
   </ds:schemaRefs>
 </ds:datastoreItem>
-</file>
-
-<file path=customXml/itemProps2.xml><?xml version="1.0" encoding="utf-8"?>
-<ds:datastoreItem xmlns:ds="http://schemas.openxmlformats.org/officeDocument/2006/customXml" ds:itemID="{90E91343-FC66-4181-B87C-967309332136}">
-  <ds:schemaRefs>
-    <ds:schemaRef ds:uri="http://schemas.microsoft.com/sharepoint/v3/contenttype/forms"/>
-  </ds:schemaRefs>
-</ds:datastoreItem>
-</file>
-
-<file path=customXml/itemProps3.xml><?xml version="1.0" encoding="utf-8"?>
-<ds:datastoreItem xmlns:ds="http://schemas.openxmlformats.org/officeDocument/2006/customXml" ds:itemID="{48338919-CAB7-4AC9-BE2B-610C7C37C733}">
-  <ds:schemaRefs>
-    <ds:schemaRef ds:uri="72339acb-e8cc-4142-9dab-9dca3e7dada8"/>
-    <ds:schemaRef ds:uri="http://schemas.microsoft.com/office/2006/documentManagement/types"/>
-    <ds:schemaRef ds:uri="http://purl.org/dc/terms/"/>
-    <ds:schemaRef ds:uri="http://schemas.microsoft.com/office/2006/metadata/properties"/>
-    <ds:schemaRef ds:uri="http://schemas.microsoft.com/office/infopath/2007/PartnerControls"/>
-    <ds:schemaRef ds:uri="http://schemas.openxmlformats.org/package/2006/metadata/core-properties"/>
-    <ds:schemaRef ds:uri="http://purl.org/dc/elements/1.1/"/>
-    <ds:schemaRef ds:uri="http://purl.org/dc/dcmitype/"/>
-    <ds:schemaRef ds:uri="dc781de3-bafc-4db7-a392-5d8a9e9bc0f5"/>
-    <ds:schemaRef ds:uri="http://www.w3.org/XML/1998/namespace"/>
-  </ds:schemaRefs>
-</ds:datastoreItem>
 </file>